--- a/material/figures/2-qubit-processor/processor schematic.pptx
+++ b/material/figures/2-qubit-processor/processor schematic.pptx
@@ -31709,7 +31709,7 @@
         </p:nvSpPr>
         <p:spPr bwMode="auto">
           <a:xfrm rot="5400000" flipH="1" flipV="1">
-            <a:off x="8055380" y="2520764"/>
+            <a:off x="7263292" y="2520764"/>
             <a:ext cx="871" cy="521200"/>
           </a:xfrm>
           <a:prstGeom prst="line">
@@ -31744,8 +31744,8 @@
         </p:nvSpPr>
         <p:spPr bwMode="auto">
           <a:xfrm rot="5400000" flipV="1">
-            <a:off x="6253628" y="1315328"/>
-            <a:ext cx="872" cy="2932076"/>
+            <a:off x="5893586" y="1747374"/>
+            <a:ext cx="873" cy="2067982"/>
           </a:xfrm>
           <a:prstGeom prst="line">
             <a:avLst/>
@@ -31777,7 +31777,7 @@
         </p:nvGrpSpPr>
         <p:grpSpPr>
           <a:xfrm flipH="1">
-            <a:off x="6944660" y="2783746"/>
+            <a:off x="6152572" y="2783746"/>
             <a:ext cx="632024" cy="932571"/>
             <a:chOff x="3136054" y="3236274"/>
             <a:chExt cx="458834" cy="677025"/>
@@ -32858,7 +32858,7 @@
         </p:nvGrpSpPr>
         <p:grpSpPr>
           <a:xfrm rot="5400000" flipH="1">
-            <a:off x="7545058" y="2705131"/>
+            <a:off x="6752970" y="2705131"/>
             <a:ext cx="449063" cy="146132"/>
             <a:chOff x="2652861" y="1145105"/>
             <a:chExt cx="193719" cy="68006"/>
@@ -32981,7 +32981,7 @@
         </p:nvGrpSpPr>
         <p:grpSpPr>
           <a:xfrm rot="5400000" flipH="1">
-            <a:off x="6362631" y="2705131"/>
+            <a:off x="5570543" y="2705131"/>
             <a:ext cx="449063" cy="146132"/>
             <a:chOff x="2652861" y="1145105"/>
             <a:chExt cx="193719" cy="68006"/>
@@ -33104,7 +33104,7 @@
         </p:nvGrpSpPr>
         <p:grpSpPr>
           <a:xfrm>
-            <a:off x="7193758" y="3724516"/>
+            <a:off x="6401670" y="3724516"/>
             <a:ext cx="200520" cy="281219"/>
             <a:chOff x="4776182" y="3688065"/>
             <a:chExt cx="174687" cy="244990"/>
@@ -33348,7 +33348,7 @@
         </p:nvSpPr>
         <p:spPr bwMode="auto">
           <a:xfrm>
-            <a:off x="6872680" y="1844824"/>
+            <a:off x="6080592" y="1844824"/>
             <a:ext cx="939680" cy="307777"/>
           </a:xfrm>
           <a:prstGeom prst="rect">
@@ -36348,10 +36348,10 @@
         </p:nvGrpSpPr>
         <p:grpSpPr>
           <a:xfrm flipH="1">
-            <a:off x="611560" y="2556953"/>
-            <a:ext cx="3384376" cy="1452070"/>
-            <a:chOff x="4292352" y="2706065"/>
-            <a:chExt cx="3384376" cy="1452070"/>
+            <a:off x="1331640" y="2556953"/>
+            <a:ext cx="2664296" cy="1452070"/>
+            <a:chOff x="5012432" y="2706065"/>
+            <a:chExt cx="2664296" cy="1452070"/>
           </a:xfrm>
         </p:grpSpPr>
         <p:sp>
@@ -36399,8 +36399,8 @@
           </p:nvSpPr>
           <p:spPr bwMode="auto">
             <a:xfrm rot="5400000" flipV="1">
-              <a:off x="5684303" y="1538092"/>
-              <a:ext cx="4160" cy="2788061"/>
+              <a:off x="6045986" y="1899774"/>
+              <a:ext cx="873" cy="2067982"/>
             </a:xfrm>
             <a:prstGeom prst="line">
               <a:avLst/>
@@ -37952,7 +37952,7 @@
         </p:nvSpPr>
         <p:spPr bwMode="auto">
           <a:xfrm>
-            <a:off x="1228372" y="1848112"/>
+            <a:off x="1948452" y="1848112"/>
             <a:ext cx="889987" cy="307777"/>
           </a:xfrm>
           <a:prstGeom prst="rect">
@@ -38012,7 +38012,7 @@
         </p:nvSpPr>
         <p:spPr>
           <a:xfrm>
-            <a:off x="883241" y="2273029"/>
+            <a:off x="1603321" y="2273029"/>
             <a:ext cx="487634" cy="307777"/>
           </a:xfrm>
           <a:prstGeom prst="rect">
@@ -38055,7 +38055,7 @@
         </p:nvSpPr>
         <p:spPr>
           <a:xfrm>
-            <a:off x="7526196" y="2273029"/>
+            <a:off x="6734108" y="2273029"/>
             <a:ext cx="487634" cy="307777"/>
           </a:xfrm>
           <a:prstGeom prst="rect">
@@ -38141,7 +38141,7 @@
         </p:nvSpPr>
         <p:spPr>
           <a:xfrm>
-            <a:off x="6300192" y="2273029"/>
+            <a:off x="5508104" y="2273029"/>
             <a:ext cx="487185" cy="307777"/>
           </a:xfrm>
           <a:prstGeom prst="rect">
@@ -38227,7 +38227,7 @@
         </p:nvSpPr>
         <p:spPr>
           <a:xfrm>
-            <a:off x="835086" y="2923603"/>
+            <a:off x="1555166" y="2923603"/>
             <a:ext cx="510076" cy="307777"/>
           </a:xfrm>
           <a:prstGeom prst="rect">
@@ -38270,7 +38270,7 @@
         </p:nvSpPr>
         <p:spPr>
           <a:xfrm>
-            <a:off x="1045153" y="3307496"/>
+            <a:off x="1765233" y="3307496"/>
             <a:ext cx="343364" cy="307777"/>
           </a:xfrm>
           <a:prstGeom prst="rect">
@@ -38313,7 +38313,7 @@
         </p:nvSpPr>
         <p:spPr>
           <a:xfrm>
-            <a:off x="1893796" y="3053058"/>
+            <a:off x="2613876" y="3053058"/>
             <a:ext cx="364202" cy="307777"/>
           </a:xfrm>
           <a:prstGeom prst="rect">
@@ -38356,7 +38356,7 @@
         </p:nvSpPr>
         <p:spPr>
           <a:xfrm>
-            <a:off x="6637027" y="3049215"/>
+            <a:off x="5844939" y="3049215"/>
             <a:ext cx="364202" cy="307777"/>
           </a:xfrm>
           <a:prstGeom prst="rect">
@@ -38399,7 +38399,7 @@
         </p:nvSpPr>
         <p:spPr>
           <a:xfrm>
-            <a:off x="7564532" y="3292935"/>
+            <a:off x="6772444" y="3292935"/>
             <a:ext cx="343364" cy="307777"/>
           </a:xfrm>
           <a:prstGeom prst="rect">
@@ -38442,7 +38442,7 @@
         </p:nvSpPr>
         <p:spPr>
           <a:xfrm>
-            <a:off x="7543894" y="2929501"/>
+            <a:off x="6751806" y="2929501"/>
             <a:ext cx="510076" cy="307777"/>
           </a:xfrm>
           <a:prstGeom prst="rect">
@@ -38775,7 +38775,7 @@
         </p:nvSpPr>
         <p:spPr bwMode="auto">
           <a:xfrm rot="5400000" flipH="1" flipV="1">
-            <a:off x="8055380" y="2520764"/>
+            <a:off x="7263292" y="2520764"/>
             <a:ext cx="871" cy="521200"/>
           </a:xfrm>
           <a:prstGeom prst="line">
@@ -38810,8 +38810,8 @@
         </p:nvSpPr>
         <p:spPr bwMode="auto">
           <a:xfrm rot="5400000" flipV="1">
-            <a:off x="6253628" y="1315328"/>
-            <a:ext cx="872" cy="2932076"/>
+            <a:off x="5893586" y="1747374"/>
+            <a:ext cx="873" cy="2067982"/>
           </a:xfrm>
           <a:prstGeom prst="line">
             <a:avLst/>
@@ -38843,7 +38843,7 @@
         </p:nvGrpSpPr>
         <p:grpSpPr>
           <a:xfrm flipH="1">
-            <a:off x="6944660" y="2783746"/>
+            <a:off x="6152572" y="2783746"/>
             <a:ext cx="632024" cy="932571"/>
             <a:chOff x="3136054" y="3236274"/>
             <a:chExt cx="458834" cy="677025"/>
@@ -39924,7 +39924,7 @@
         </p:nvGrpSpPr>
         <p:grpSpPr>
           <a:xfrm rot="5400000" flipH="1">
-            <a:off x="7545058" y="2705131"/>
+            <a:off x="6752970" y="2705131"/>
             <a:ext cx="449063" cy="146132"/>
             <a:chOff x="2652861" y="1145105"/>
             <a:chExt cx="193719" cy="68006"/>
@@ -40047,7 +40047,7 @@
         </p:nvGrpSpPr>
         <p:grpSpPr>
           <a:xfrm rot="5400000" flipH="1">
-            <a:off x="6362631" y="2705131"/>
+            <a:off x="5570543" y="2705131"/>
             <a:ext cx="449063" cy="146132"/>
             <a:chOff x="2652861" y="1145105"/>
             <a:chExt cx="193719" cy="68006"/>
@@ -40170,7 +40170,7 @@
         </p:nvGrpSpPr>
         <p:grpSpPr>
           <a:xfrm>
-            <a:off x="7193758" y="3724516"/>
+            <a:off x="6401670" y="3724516"/>
             <a:ext cx="200520" cy="281219"/>
             <a:chOff x="4776182" y="3688065"/>
             <a:chExt cx="174687" cy="244990"/>
@@ -40362,7 +40362,7 @@
         </p:nvSpPr>
         <p:spPr bwMode="auto">
           <a:xfrm>
-            <a:off x="3491880" y="1853918"/>
+            <a:off x="3491880" y="1493878"/>
             <a:ext cx="671979" cy="307777"/>
           </a:xfrm>
           <a:prstGeom prst="rect">
@@ -40414,7 +40414,7 @@
         </p:nvSpPr>
         <p:spPr bwMode="auto">
           <a:xfrm>
-            <a:off x="6872680" y="1844824"/>
+            <a:off x="6080592" y="1484784"/>
             <a:ext cx="939680" cy="307777"/>
           </a:xfrm>
           <a:prstGeom prst="rect">
@@ -40476,7 +40476,7 @@
         </p:nvSpPr>
         <p:spPr bwMode="auto">
           <a:xfrm>
-            <a:off x="4644008" y="1856063"/>
+            <a:off x="4644008" y="1496023"/>
             <a:ext cx="721671" cy="307777"/>
           </a:xfrm>
           <a:prstGeom prst="rect">
@@ -43414,10 +43414,10 @@
         </p:nvGrpSpPr>
         <p:grpSpPr>
           <a:xfrm flipH="1">
-            <a:off x="611560" y="2556953"/>
-            <a:ext cx="3384376" cy="1452070"/>
-            <a:chOff x="4292352" y="2706065"/>
-            <a:chExt cx="3384376" cy="1452070"/>
+            <a:off x="1315738" y="2556953"/>
+            <a:ext cx="2664296" cy="1452070"/>
+            <a:chOff x="5012432" y="2706065"/>
+            <a:chExt cx="2664296" cy="1452070"/>
           </a:xfrm>
         </p:grpSpPr>
         <p:sp>
@@ -43465,8 +43465,8 @@
           </p:nvSpPr>
           <p:spPr bwMode="auto">
             <a:xfrm rot="5400000" flipV="1">
-              <a:off x="5684303" y="1538092"/>
-              <a:ext cx="4160" cy="2788061"/>
+              <a:off x="6045986" y="1899774"/>
+              <a:ext cx="873" cy="2067982"/>
             </a:xfrm>
             <a:prstGeom prst="line">
               <a:avLst/>
@@ -45018,7 +45018,7 @@
         </p:nvSpPr>
         <p:spPr bwMode="auto">
           <a:xfrm>
-            <a:off x="1228372" y="1848112"/>
+            <a:off x="1932550" y="1488072"/>
             <a:ext cx="889987" cy="307777"/>
           </a:xfrm>
           <a:prstGeom prst="rect">
@@ -45078,7 +45078,7 @@
         </p:nvSpPr>
         <p:spPr>
           <a:xfrm>
-            <a:off x="883241" y="2273029"/>
+            <a:off x="1595819" y="2273029"/>
             <a:ext cx="487634" cy="307777"/>
           </a:xfrm>
           <a:prstGeom prst="rect">
@@ -45121,7 +45121,7 @@
         </p:nvSpPr>
         <p:spPr>
           <a:xfrm>
-            <a:off x="7526196" y="2273029"/>
+            <a:off x="6734108" y="2273029"/>
             <a:ext cx="487634" cy="307777"/>
           </a:xfrm>
           <a:prstGeom prst="rect">
@@ -45207,7 +45207,7 @@
         </p:nvSpPr>
         <p:spPr>
           <a:xfrm>
-            <a:off x="6300192" y="2273029"/>
+            <a:off x="5508104" y="2273029"/>
             <a:ext cx="487185" cy="307777"/>
           </a:xfrm>
           <a:prstGeom prst="rect">
@@ -45293,7 +45293,7 @@
         </p:nvSpPr>
         <p:spPr>
           <a:xfrm>
-            <a:off x="835086" y="2923603"/>
+            <a:off x="1547664" y="2923603"/>
             <a:ext cx="510076" cy="307777"/>
           </a:xfrm>
           <a:prstGeom prst="rect">
@@ -45336,7 +45336,7 @@
         </p:nvSpPr>
         <p:spPr>
           <a:xfrm>
-            <a:off x="1045153" y="3307496"/>
+            <a:off x="1757731" y="3307496"/>
             <a:ext cx="343364" cy="307777"/>
           </a:xfrm>
           <a:prstGeom prst="rect">
@@ -45379,7 +45379,7 @@
         </p:nvSpPr>
         <p:spPr>
           <a:xfrm>
-            <a:off x="1893796" y="3053058"/>
+            <a:off x="2606374" y="3053058"/>
             <a:ext cx="364202" cy="307777"/>
           </a:xfrm>
           <a:prstGeom prst="rect">
@@ -45422,7 +45422,7 @@
         </p:nvSpPr>
         <p:spPr>
           <a:xfrm>
-            <a:off x="6637027" y="3049215"/>
+            <a:off x="5844939" y="3049215"/>
             <a:ext cx="364202" cy="307777"/>
           </a:xfrm>
           <a:prstGeom prst="rect">
@@ -45465,7 +45465,7 @@
         </p:nvSpPr>
         <p:spPr>
           <a:xfrm>
-            <a:off x="7564532" y="3292935"/>
+            <a:off x="6772444" y="3292935"/>
             <a:ext cx="343364" cy="307777"/>
           </a:xfrm>
           <a:prstGeom prst="rect">
@@ -45508,7 +45508,7 @@
         </p:nvSpPr>
         <p:spPr>
           <a:xfrm>
-            <a:off x="7543894" y="2929501"/>
+            <a:off x="6751806" y="2929501"/>
             <a:ext cx="510076" cy="307777"/>
           </a:xfrm>
           <a:prstGeom prst="rect">
@@ -45551,8 +45551,8 @@
         </p:nvSpPr>
         <p:spPr>
           <a:xfrm>
-            <a:off x="3059832" y="2948797"/>
-            <a:ext cx="405880" cy="523220"/>
+            <a:off x="2771800" y="3068960"/>
+            <a:ext cx="970137" cy="523220"/>
           </a:xfrm>
           <a:prstGeom prst="rect">
             <a:avLst/>
@@ -45570,14 +45570,21 @@
                 <a:latin typeface="Times New Roman" pitchFamily="18" charset="0"/>
                 <a:cs typeface="Times New Roman" pitchFamily="18" charset="0"/>
               </a:rPr>
-              <a:t>E</a:t>
+              <a:t>v</a:t>
             </a:r>
             <a:r>
               <a:rPr lang="de-DE" sz="1400" i="1" baseline="-25000" dirty="0" smtClean="0">
                 <a:latin typeface="Times New Roman" pitchFamily="18" charset="0"/>
                 <a:cs typeface="Times New Roman" pitchFamily="18" charset="0"/>
               </a:rPr>
-              <a:t>J1</a:t>
+              <a:t>01</a:t>
+            </a:r>
+            <a:r>
+              <a:rPr lang="de-DE" sz="1400" i="1" dirty="0" smtClean="0">
+                <a:latin typeface="Times New Roman" pitchFamily="18" charset="0"/>
+                <a:cs typeface="Times New Roman" pitchFamily="18" charset="0"/>
+              </a:rPr>
+              <a:t>=7 GHz</a:t>
             </a:r>
           </a:p>
           <a:p>
@@ -45595,6 +45602,17 @@
               </a:rPr>
               <a:t>1</a:t>
             </a:r>
+            <a:r>
+              <a:rPr lang="de-DE" sz="1400" i="1" dirty="0" smtClean="0">
+                <a:latin typeface="Times New Roman" pitchFamily="18" charset="0"/>
+                <a:cs typeface="Times New Roman" pitchFamily="18" charset="0"/>
+              </a:rPr>
+              <a:t>=0.2</a:t>
+            </a:r>
+            <a:endParaRPr lang="de-DE" sz="1400" i="1" dirty="0" smtClean="0">
+              <a:latin typeface="Times New Roman" pitchFamily="18" charset="0"/>
+              <a:cs typeface="Times New Roman" pitchFamily="18" charset="0"/>
+            </a:endParaRPr>
           </a:p>
         </p:txBody>
       </p:sp>
@@ -45716,8 +45734,8 @@
         </p:nvSpPr>
         <p:spPr>
           <a:xfrm>
-            <a:off x="3170832" y="3573016"/>
-            <a:ext cx="393056" cy="307777"/>
+            <a:off x="2699792" y="3573016"/>
+            <a:ext cx="869149" cy="307777"/>
           </a:xfrm>
           <a:prstGeom prst="rect">
             <a:avLst/>
@@ -45744,7 +45762,21 @@
               </a:rPr>
               <a:t>1</a:t>
             </a:r>
-            <a:endParaRPr lang="de-DE" sz="1400" i="1" baseline="-25000" dirty="0">
+            <a:r>
+              <a:rPr lang="de-DE" sz="1400" i="1" dirty="0" smtClean="0">
+                <a:latin typeface="Times New Roman" pitchFamily="18" charset="0"/>
+                <a:cs typeface="Times New Roman" pitchFamily="18" charset="0"/>
+              </a:rPr>
+              <a:t>=2 </a:t>
+            </a:r>
+            <a:r>
+              <a:rPr lang="de-DE" sz="1400" dirty="0" smtClean="0">
+                <a:latin typeface="Times New Roman" pitchFamily="18" charset="0"/>
+                <a:cs typeface="Times New Roman" pitchFamily="18" charset="0"/>
+              </a:rPr>
+              <a:t>pH</a:t>
+            </a:r>
+            <a:endParaRPr lang="de-DE" sz="1400" dirty="0">
               <a:latin typeface="Times New Roman" pitchFamily="18" charset="0"/>
               <a:cs typeface="Times New Roman" pitchFamily="18" charset="0"/>
             </a:endParaRPr>
@@ -45760,7 +45792,7 @@
         <p:spPr>
           <a:xfrm>
             <a:off x="5270158" y="3573016"/>
-            <a:ext cx="393056" cy="307777"/>
+            <a:ext cx="869149" cy="307777"/>
           </a:xfrm>
           <a:prstGeom prst="rect">
             <a:avLst/>
@@ -45786,6 +45818,235 @@
                 <a:cs typeface="Times New Roman" pitchFamily="18" charset="0"/>
               </a:rPr>
               <a:t>2</a:t>
+            </a:r>
+            <a:r>
+              <a:rPr lang="de-DE" sz="1400" i="1" dirty="0" smtClean="0">
+                <a:latin typeface="Times New Roman" pitchFamily="18" charset="0"/>
+                <a:cs typeface="Times New Roman" pitchFamily="18" charset="0"/>
+              </a:rPr>
+              <a:t>=2 </a:t>
+            </a:r>
+            <a:r>
+              <a:rPr lang="de-DE" sz="1400" dirty="0" smtClean="0">
+                <a:latin typeface="Times New Roman" pitchFamily="18" charset="0"/>
+                <a:cs typeface="Times New Roman" pitchFamily="18" charset="0"/>
+              </a:rPr>
+              <a:t>pH</a:t>
+            </a:r>
+            <a:endParaRPr lang="de-DE" sz="1400" dirty="0">
+              <a:latin typeface="Times New Roman" pitchFamily="18" charset="0"/>
+              <a:cs typeface="Times New Roman" pitchFamily="18" charset="0"/>
+            </a:endParaRPr>
+          </a:p>
+        </p:txBody>
+      </p:sp>
+      <p:sp>
+        <p:nvSpPr>
+          <p:cNvPr id="192" name="Textfeld 191"/>
+          <p:cNvSpPr txBox="1"/>
+          <p:nvPr/>
+        </p:nvSpPr>
+        <p:spPr>
+          <a:xfrm>
+            <a:off x="1651476" y="1844824"/>
+            <a:ext cx="373820" cy="307777"/>
+          </a:xfrm>
+          <a:prstGeom prst="rect">
+            <a:avLst/>
+          </a:prstGeom>
+          <a:noFill/>
+        </p:spPr>
+        <p:txBody>
+          <a:bodyPr wrap="none" rtlCol="0">
+            <a:spAutoFit/>
+          </a:bodyPr>
+          <a:lstStyle/>
+          <a:p>
+            <a:r>
+              <a:rPr lang="de-DE" sz="1400" i="1" dirty="0" smtClean="0">
+                <a:latin typeface="Times New Roman" pitchFamily="18" charset="0"/>
+                <a:cs typeface="Times New Roman" pitchFamily="18" charset="0"/>
+              </a:rPr>
+              <a:t>Q</a:t>
+            </a:r>
+            <a:r>
+              <a:rPr lang="de-DE" sz="1400" i="1" baseline="-25000" dirty="0" smtClean="0">
+                <a:latin typeface="Times New Roman" pitchFamily="18" charset="0"/>
+                <a:cs typeface="Times New Roman" pitchFamily="18" charset="0"/>
+              </a:rPr>
+              <a:t>1</a:t>
+            </a:r>
+            <a:endParaRPr lang="de-DE" sz="1400" i="1" baseline="-25000" dirty="0">
+              <a:latin typeface="Times New Roman" pitchFamily="18" charset="0"/>
+              <a:cs typeface="Times New Roman" pitchFamily="18" charset="0"/>
+            </a:endParaRPr>
+          </a:p>
+        </p:txBody>
+      </p:sp>
+      <p:sp>
+        <p:nvSpPr>
+          <p:cNvPr id="193" name="Textfeld 192"/>
+          <p:cNvSpPr txBox="1"/>
+          <p:nvPr/>
+        </p:nvSpPr>
+        <p:spPr>
+          <a:xfrm>
+            <a:off x="6758664" y="1844824"/>
+            <a:ext cx="373820" cy="307777"/>
+          </a:xfrm>
+          <a:prstGeom prst="rect">
+            <a:avLst/>
+          </a:prstGeom>
+          <a:noFill/>
+        </p:spPr>
+        <p:txBody>
+          <a:bodyPr wrap="none" rtlCol="0">
+            <a:spAutoFit/>
+          </a:bodyPr>
+          <a:lstStyle/>
+          <a:p>
+            <a:r>
+              <a:rPr lang="de-DE" sz="1400" i="1" dirty="0" smtClean="0">
+                <a:latin typeface="Times New Roman" pitchFamily="18" charset="0"/>
+                <a:cs typeface="Times New Roman" pitchFamily="18" charset="0"/>
+              </a:rPr>
+              <a:t>Q</a:t>
+            </a:r>
+            <a:r>
+              <a:rPr lang="de-DE" sz="1400" i="1" baseline="-25000" dirty="0" smtClean="0">
+                <a:latin typeface="Times New Roman" pitchFamily="18" charset="0"/>
+                <a:cs typeface="Times New Roman" pitchFamily="18" charset="0"/>
+              </a:rPr>
+              <a:t>2</a:t>
+            </a:r>
+            <a:endParaRPr lang="de-DE" sz="1400" i="1" baseline="-25000" dirty="0">
+              <a:latin typeface="Times New Roman" pitchFamily="18" charset="0"/>
+              <a:cs typeface="Times New Roman" pitchFamily="18" charset="0"/>
+            </a:endParaRPr>
+          </a:p>
+        </p:txBody>
+      </p:sp>
+      <p:sp>
+        <p:nvSpPr>
+          <p:cNvPr id="194" name="Textfeld 193"/>
+          <p:cNvSpPr txBox="1"/>
+          <p:nvPr/>
+        </p:nvSpPr>
+        <p:spPr>
+          <a:xfrm>
+            <a:off x="2771800" y="1844824"/>
+            <a:ext cx="456728" cy="307777"/>
+          </a:xfrm>
+          <a:prstGeom prst="rect">
+            <a:avLst/>
+          </a:prstGeom>
+          <a:noFill/>
+        </p:spPr>
+        <p:txBody>
+          <a:bodyPr wrap="none" rtlCol="0">
+            <a:spAutoFit/>
+          </a:bodyPr>
+          <a:lstStyle/>
+          <a:p>
+            <a:r>
+              <a:rPr lang="de-DE" sz="1400" i="1" dirty="0" smtClean="0">
+                <a:latin typeface="Times New Roman" pitchFamily="18" charset="0"/>
+                <a:cs typeface="Times New Roman" pitchFamily="18" charset="0"/>
+              </a:rPr>
+              <a:t>g</a:t>
+            </a:r>
+            <a:r>
+              <a:rPr lang="de-DE" sz="1400" i="1" baseline="-25000" dirty="0" smtClean="0">
+                <a:latin typeface="Times New Roman" pitchFamily="18" charset="0"/>
+                <a:cs typeface="Times New Roman" pitchFamily="18" charset="0"/>
+              </a:rPr>
+              <a:t>qr,1</a:t>
+            </a:r>
+            <a:endParaRPr lang="de-DE" sz="1400" i="1" baseline="-25000" dirty="0">
+              <a:latin typeface="Times New Roman" pitchFamily="18" charset="0"/>
+              <a:cs typeface="Times New Roman" pitchFamily="18" charset="0"/>
+            </a:endParaRPr>
+          </a:p>
+        </p:txBody>
+      </p:sp>
+      <p:sp>
+        <p:nvSpPr>
+          <p:cNvPr id="195" name="Textfeld 194"/>
+          <p:cNvSpPr txBox="1"/>
+          <p:nvPr/>
+        </p:nvSpPr>
+        <p:spPr>
+          <a:xfrm>
+            <a:off x="5506756" y="1844824"/>
+            <a:ext cx="456728" cy="307777"/>
+          </a:xfrm>
+          <a:prstGeom prst="rect">
+            <a:avLst/>
+          </a:prstGeom>
+          <a:noFill/>
+        </p:spPr>
+        <p:txBody>
+          <a:bodyPr wrap="none" rtlCol="0">
+            <a:spAutoFit/>
+          </a:bodyPr>
+          <a:lstStyle/>
+          <a:p>
+            <a:r>
+              <a:rPr lang="de-DE" sz="1400" i="1" dirty="0" smtClean="0">
+                <a:latin typeface="Times New Roman" pitchFamily="18" charset="0"/>
+                <a:cs typeface="Times New Roman" pitchFamily="18" charset="0"/>
+              </a:rPr>
+              <a:t>g</a:t>
+            </a:r>
+            <a:r>
+              <a:rPr lang="de-DE" sz="1400" i="1" baseline="-25000" dirty="0" smtClean="0">
+                <a:latin typeface="Times New Roman" pitchFamily="18" charset="0"/>
+                <a:cs typeface="Times New Roman" pitchFamily="18" charset="0"/>
+              </a:rPr>
+              <a:t>qr,2</a:t>
+            </a:r>
+            <a:endParaRPr lang="de-DE" sz="1400" i="1" baseline="-25000" dirty="0">
+              <a:latin typeface="Times New Roman" pitchFamily="18" charset="0"/>
+              <a:cs typeface="Times New Roman" pitchFamily="18" charset="0"/>
+            </a:endParaRPr>
+          </a:p>
+        </p:txBody>
+      </p:sp>
+      <p:sp>
+        <p:nvSpPr>
+          <p:cNvPr id="196" name="Textfeld 195"/>
+          <p:cNvSpPr txBox="1"/>
+          <p:nvPr/>
+        </p:nvSpPr>
+        <p:spPr>
+          <a:xfrm>
+            <a:off x="4166568" y="1844824"/>
+            <a:ext cx="393056" cy="307777"/>
+          </a:xfrm>
+          <a:prstGeom prst="rect">
+            <a:avLst/>
+          </a:prstGeom>
+          <a:noFill/>
+        </p:spPr>
+        <p:txBody>
+          <a:bodyPr wrap="none" rtlCol="0">
+            <a:spAutoFit/>
+          </a:bodyPr>
+          <a:lstStyle/>
+          <a:p>
+            <a:r>
+              <a:rPr lang="de-DE" sz="1400" i="1" dirty="0" err="1" smtClean="0">
+                <a:latin typeface="Times New Roman" pitchFamily="18" charset="0"/>
+                <a:cs typeface="Times New Roman" pitchFamily="18" charset="0"/>
+              </a:rPr>
+              <a:t>g</a:t>
+            </a:r>
+            <a:r>
+              <a:rPr lang="de-DE" sz="1400" i="1" baseline="-25000" dirty="0" err="1" smtClean="0">
+                <a:latin typeface="Times New Roman" pitchFamily="18" charset="0"/>
+                <a:cs typeface="Times New Roman" pitchFamily="18" charset="0"/>
+              </a:rPr>
+              <a:t>qq</a:t>
             </a:r>
             <a:endParaRPr lang="de-DE" sz="1400" i="1" baseline="-25000" dirty="0">
               <a:latin typeface="Times New Roman" pitchFamily="18" charset="0"/>
